--- a/3_PHASE4_Architecture/docs/3.2 Architecture management in MATLAB_ES.pptx
+++ b/3_PHASE4_Architecture/docs/3.2 Architecture management in MATLAB_ES.pptx
@@ -317,7 +317,7 @@
           <a:p>
             <a:fld id="{DE2F9ED7-D9DF-9B4A-A1AC-9FBF0C9B1C8E}" type="datetime1">
               <a:rPr lang="es-ES" smtClean="0"/>
-              <a:t>08/10/2023</a:t>
+              <a:t>29/02/2024</a:t>
             </a:fld>
             <a:endParaRPr lang="en-US"/>
           </a:p>
@@ -487,7 +487,7 @@
           <a:p>
             <a:fld id="{FEDC53B6-CB23-B545-A702-0812837A95EA}" type="datetime1">
               <a:rPr lang="es-ES" smtClean="0"/>
-              <a:t>08/10/2023</a:t>
+              <a:t>29/02/2024</a:t>
             </a:fld>
             <a:endParaRPr lang="en-US"/>
           </a:p>
@@ -1122,7 +1122,7 @@
             <a:fld id="{2D72A43D-7419-4C41-A920-C6E38643746D}" type="datetime3">
               <a:rPr lang="es-ES_tradnl" smtClean="0"/>
               <a:pPr/>
-              <a:t>08.10.23</a:t>
+              <a:t>29.02.24</a:t>
             </a:fld>
             <a:endParaRPr lang="en-US" dirty="0"/>
           </a:p>
@@ -1383,7 +1383,7 @@
             <a:fld id="{2D72A43D-7419-4C41-A920-C6E38643746D}" type="datetime3">
               <a:rPr lang="es-ES_tradnl" smtClean="0"/>
               <a:pPr/>
-              <a:t>08.10.23</a:t>
+              <a:t>29.02.24</a:t>
             </a:fld>
             <a:endParaRPr lang="en-US" dirty="0"/>
           </a:p>
@@ -1681,7 +1681,7 @@
           <a:p>
             <a:fld id="{0051B10C-2937-EF49-B2B2-FDE1E3A46A2D}" type="datetime3">
               <a:rPr lang="es-ES_tradnl" smtClean="0"/>
-              <a:t>08.10.23</a:t>
+              <a:t>29.02.24</a:t>
             </a:fld>
             <a:endParaRPr lang="en-US" dirty="0"/>
           </a:p>
@@ -1956,7 +1956,7 @@
           <a:p>
             <a:fld id="{0051B10C-2937-EF49-B2B2-FDE1E3A46A2D}" type="datetime3">
               <a:rPr lang="es-ES_tradnl" smtClean="0"/>
-              <a:t>08.10.23</a:t>
+              <a:t>29.02.24</a:t>
             </a:fld>
             <a:endParaRPr lang="en-US" dirty="0"/>
           </a:p>
@@ -2260,7 +2260,7 @@
           <a:p>
             <a:fld id="{0051B10C-2937-EF49-B2B2-FDE1E3A46A2D}" type="datetime3">
               <a:rPr lang="es-ES_tradnl" smtClean="0"/>
-              <a:t>08.10.23</a:t>
+              <a:t>29.02.24</a:t>
             </a:fld>
             <a:endParaRPr lang="en-US" dirty="0"/>
           </a:p>
@@ -2569,7 +2569,7 @@
           <a:p>
             <a:fld id="{2DCE5B6F-4229-BD47-9F49-CE071C120013}" type="datetime3">
               <a:rPr lang="es-ES_tradnl" smtClean="0"/>
-              <a:t>08.10.23</a:t>
+              <a:t>29.02.24</a:t>
             </a:fld>
             <a:endParaRPr lang="en-US" dirty="0"/>
           </a:p>
@@ -2896,7 +2896,7 @@
           <a:p>
             <a:fld id="{2DCE5B6F-4229-BD47-9F49-CE071C120013}" type="datetime3">
               <a:rPr lang="es-ES_tradnl" smtClean="0"/>
-              <a:t>08.10.23</a:t>
+              <a:t>29.02.24</a:t>
             </a:fld>
             <a:endParaRPr lang="en-US" dirty="0"/>
           </a:p>
@@ -3223,7 +3223,7 @@
           <a:p>
             <a:fld id="{2DCE5B6F-4229-BD47-9F49-CE071C120013}" type="datetime3">
               <a:rPr lang="es-ES_tradnl" smtClean="0"/>
-              <a:t>08.10.23</a:t>
+              <a:t>29.02.24</a:t>
             </a:fld>
             <a:endParaRPr lang="en-US" dirty="0"/>
           </a:p>
@@ -3661,7 +3661,7 @@
             <a:fld id="{6D8C46FE-6D60-7E43-9EAD-3064B98E9FE4}" type="datetime3">
               <a:rPr lang="es-ES_tradnl" smtClean="0"/>
               <a:pPr/>
-              <a:t>08.10.23</a:t>
+              <a:t>29.02.24</a:t>
             </a:fld>
             <a:endParaRPr lang="en-US" dirty="0"/>
           </a:p>
@@ -4083,7 +4083,7 @@
             <a:fld id="{6D8C46FE-6D60-7E43-9EAD-3064B98E9FE4}" type="datetime3">
               <a:rPr lang="es-ES_tradnl" smtClean="0"/>
               <a:pPr/>
-              <a:t>08.10.23</a:t>
+              <a:t>29.02.24</a:t>
             </a:fld>
             <a:endParaRPr lang="en-US" dirty="0"/>
           </a:p>
@@ -4819,7 +4819,7 @@
             <a:fld id="{6D8C46FE-6D60-7E43-9EAD-3064B98E9FE4}" type="datetime3">
               <a:rPr lang="es-ES_tradnl" smtClean="0"/>
               <a:pPr/>
-              <a:t>08.10.23</a:t>
+              <a:t>29.02.24</a:t>
             </a:fld>
             <a:endParaRPr lang="en-US" dirty="0"/>
           </a:p>
@@ -5134,7 +5134,7 @@
             <a:fld id="{03BAEA45-06BF-1B4B-8B5F-15A64A07D060}" type="datetime3">
               <a:rPr lang="es-ES_tradnl" smtClean="0"/>
               <a:pPr/>
-              <a:t>08.10.23</a:t>
+              <a:t>29.02.24</a:t>
             </a:fld>
             <a:endParaRPr lang="en-US" dirty="0"/>
           </a:p>
@@ -5332,7 +5332,7 @@
             <a:fld id="{03BAEA45-06BF-1B4B-8B5F-15A64A07D060}" type="datetime3">
               <a:rPr lang="es-ES_tradnl" smtClean="0"/>
               <a:pPr/>
-              <a:t>08.10.23</a:t>
+              <a:t>29.02.24</a:t>
             </a:fld>
             <a:endParaRPr lang="en-US" dirty="0"/>
           </a:p>
@@ -5530,7 +5530,7 @@
             <a:fld id="{03BAEA45-06BF-1B4B-8B5F-15A64A07D060}" type="datetime3">
               <a:rPr lang="es-ES_tradnl" smtClean="0"/>
               <a:pPr/>
-              <a:t>08.10.23</a:t>
+              <a:t>29.02.24</a:t>
             </a:fld>
             <a:endParaRPr lang="en-US" dirty="0"/>
           </a:p>
@@ -9119,7 +9119,7 @@
             <a:fld id="{2D72A43D-7419-4C41-A920-C6E38643746D}" type="datetime3">
               <a:rPr lang="es-ES_tradnl" smtClean="0"/>
               <a:pPr/>
-              <a:t>08.10.23</a:t>
+              <a:t>29.02.24</a:t>
             </a:fld>
             <a:endParaRPr lang="en-US" dirty="0"/>
           </a:p>
@@ -9399,7 +9399,7 @@
           <a:p>
             <a:fld id="{9FAE4B82-6DFA-A543-B435-4398A9590E55}" type="datetime3">
               <a:rPr lang="es-ES_tradnl" smtClean="0"/>
-              <a:t>08.10.23</a:t>
+              <a:t>29.02.24</a:t>
             </a:fld>
             <a:endParaRPr lang="en-US" dirty="0"/>
           </a:p>
@@ -10046,7 +10046,7 @@
             <a:fld id="{2D72A43D-7419-4C41-A920-C6E38643746D}" type="datetime3">
               <a:rPr lang="es-ES_tradnl" smtClean="0"/>
               <a:pPr/>
-              <a:t>08.10.23</a:t>
+              <a:t>29.02.24</a:t>
             </a:fld>
             <a:endParaRPr lang="en-US" dirty="0"/>
           </a:p>
@@ -10520,7 +10520,7 @@
             <a:fld id="{2D72A43D-7419-4C41-A920-C6E38643746D}" type="datetime3">
               <a:rPr lang="es-ES_tradnl" smtClean="0"/>
               <a:pPr/>
-              <a:t>08.10.23</a:t>
+              <a:t>29.02.24</a:t>
             </a:fld>
             <a:endParaRPr lang="en-US" dirty="0"/>
           </a:p>
@@ -10924,7 +10924,7 @@
             <a:fld id="{2D72A43D-7419-4C41-A920-C6E38643746D}" type="datetime3">
               <a:rPr lang="es-ES_tradnl" smtClean="0"/>
               <a:pPr/>
-              <a:t>08.10.23</a:t>
+              <a:t>29.02.24</a:t>
             </a:fld>
             <a:endParaRPr lang="en-US" dirty="0"/>
           </a:p>
@@ -11184,7 +11184,7 @@
             <a:fld id="{2D72A43D-7419-4C41-A920-C6E38643746D}" type="datetime3">
               <a:rPr lang="es-ES_tradnl" smtClean="0"/>
               <a:pPr/>
-              <a:t>08.10.23</a:t>
+              <a:t>29.02.24</a:t>
             </a:fld>
             <a:endParaRPr lang="en-US" dirty="0"/>
           </a:p>
@@ -11514,7 +11514,7 @@
             <a:fld id="{2D72A43D-7419-4C41-A920-C6E38643746D}" type="datetime3">
               <a:rPr lang="es-ES_tradnl" smtClean="0"/>
               <a:pPr/>
-              <a:t>08.10.23</a:t>
+              <a:t>29.02.24</a:t>
             </a:fld>
             <a:endParaRPr lang="en-US" dirty="0"/>
           </a:p>
@@ -11755,6 +11755,92 @@
           </a:prstGeom>
         </p:spPr>
       </p:pic>
+      <p:pic>
+        <p:nvPicPr>
+          <p:cNvPr id="7" name="Imagen 6">
+            <a:extLst>
+              <a:ext uri="{FF2B5EF4-FFF2-40B4-BE49-F238E27FC236}">
+                <a16:creationId xmlns:a16="http://schemas.microsoft.com/office/drawing/2014/main" id="{CCE70954-E7F4-F309-1D8C-184FAEA19192}"/>
+              </a:ext>
+            </a:extLst>
+          </p:cNvPr>
+          <p:cNvPicPr>
+            <a:picLocks noChangeAspect="1"/>
+          </p:cNvPicPr>
+          <p:nvPr/>
+        </p:nvPicPr>
+        <p:blipFill>
+          <a:blip r:embed="rId3"/>
+          <a:stretch>
+            <a:fillRect/>
+          </a:stretch>
+        </p:blipFill>
+        <p:spPr>
+          <a:xfrm>
+            <a:off x="3445995" y="292275"/>
+            <a:ext cx="533474" cy="724001"/>
+          </a:xfrm>
+          <a:prstGeom prst="rect">
+            <a:avLst/>
+          </a:prstGeom>
+        </p:spPr>
+      </p:pic>
+      <p:sp>
+        <p:nvSpPr>
+          <p:cNvPr id="8" name="CuadroTexto 7">
+            <a:extLst>
+              <a:ext uri="{FF2B5EF4-FFF2-40B4-BE49-F238E27FC236}">
+                <a16:creationId xmlns:a16="http://schemas.microsoft.com/office/drawing/2014/main" id="{C82BFFCD-A1F2-2224-BA1A-B6C5516EF8BF}"/>
+              </a:ext>
+            </a:extLst>
+          </p:cNvPr>
+          <p:cNvSpPr txBox="1"/>
+          <p:nvPr/>
+        </p:nvSpPr>
+        <p:spPr>
+          <a:xfrm>
+            <a:off x="4041329" y="499352"/>
+            <a:ext cx="4572000" cy="369332"/>
+          </a:xfrm>
+          <a:prstGeom prst="rect">
+            <a:avLst/>
+          </a:prstGeom>
+          <a:noFill/>
+        </p:spPr>
+        <p:txBody>
+          <a:bodyPr wrap="square">
+            <a:spAutoFit/>
+          </a:bodyPr>
+          <a:lstStyle/>
+          <a:p>
+            <a:r>
+              <a:rPr lang="es-ES" sz="1800" dirty="0">
+                <a:latin typeface="+mj-lt"/>
+              </a:rPr>
+              <a:t>Abre </a:t>
+            </a:r>
+            <a:r>
+              <a:rPr lang="es-ES" sz="1800" dirty="0" err="1">
+                <a:latin typeface="+mj-lt"/>
+              </a:rPr>
+              <a:t>Profile</a:t>
+            </a:r>
+            <a:r>
+              <a:rPr lang="es-ES" sz="1800" dirty="0">
+                <a:latin typeface="+mj-lt"/>
+              </a:rPr>
+              <a:t> Editor en </a:t>
+            </a:r>
+            <a:r>
+              <a:rPr lang="es-ES" sz="1800" dirty="0" err="1">
+                <a:latin typeface="+mj-lt"/>
+              </a:rPr>
+              <a:t>Simulink</a:t>
+            </a:r>
+            <a:endParaRPr lang="en-GB" dirty="0"/>
+          </a:p>
+        </p:txBody>
+      </p:sp>
     </p:spTree>
     <p:extLst>
       <p:ext uri="{BB962C8B-B14F-4D97-AF65-F5344CB8AC3E}">
@@ -11809,7 +11895,7 @@
             <a:fld id="{2D72A43D-7419-4C41-A920-C6E38643746D}" type="datetime3">
               <a:rPr lang="es-ES_tradnl" smtClean="0"/>
               <a:pPr/>
-              <a:t>08.10.23</a:t>
+              <a:t>29.02.24</a:t>
             </a:fld>
             <a:endParaRPr lang="en-US" dirty="0"/>
           </a:p>
@@ -12124,7 +12210,7 @@
             <a:fld id="{2D72A43D-7419-4C41-A920-C6E38643746D}" type="datetime3">
               <a:rPr lang="es-ES_tradnl" smtClean="0"/>
               <a:pPr/>
-              <a:t>08.10.23</a:t>
+              <a:t>29.02.24</a:t>
             </a:fld>
             <a:endParaRPr lang="en-US" dirty="0"/>
           </a:p>
@@ -12356,7 +12442,7 @@
             <a:fld id="{2D72A43D-7419-4C41-A920-C6E38643746D}" type="datetime3">
               <a:rPr lang="es-ES_tradnl" smtClean="0"/>
               <a:pPr/>
-              <a:t>08.10.23</a:t>
+              <a:t>29.02.24</a:t>
             </a:fld>
             <a:endParaRPr lang="en-US" dirty="0"/>
           </a:p>
@@ -12693,7 +12779,7 @@
             <a:fld id="{2D72A43D-7419-4C41-A920-C6E38643746D}" type="datetime3">
               <a:rPr lang="es-ES_tradnl" smtClean="0"/>
               <a:pPr/>
-              <a:t>08.10.23</a:t>
+              <a:t>29.02.24</a:t>
             </a:fld>
             <a:endParaRPr lang="en-US" dirty="0"/>
           </a:p>
@@ -12968,7 +13054,7 @@
             <a:fld id="{2D72A43D-7419-4C41-A920-C6E38643746D}" type="datetime3">
               <a:rPr lang="es-ES_tradnl" smtClean="0"/>
               <a:pPr/>
-              <a:t>08.10.23</a:t>
+              <a:t>29.02.24</a:t>
             </a:fld>
             <a:endParaRPr lang="en-US" dirty="0"/>
           </a:p>
@@ -13297,7 +13383,7 @@
             <a:fld id="{2D72A43D-7419-4C41-A920-C6E38643746D}" type="datetime3">
               <a:rPr lang="es-ES_tradnl" smtClean="0"/>
               <a:pPr/>
-              <a:t>08.10.23</a:t>
+              <a:t>29.02.24</a:t>
             </a:fld>
             <a:endParaRPr lang="en-US" dirty="0"/>
           </a:p>
@@ -13527,7 +13613,7 @@
             <a:fld id="{2D72A43D-7419-4C41-A920-C6E38643746D}" type="datetime3">
               <a:rPr lang="es-ES_tradnl" smtClean="0"/>
               <a:pPr/>
-              <a:t>08.10.23</a:t>
+              <a:t>29.02.24</a:t>
             </a:fld>
             <a:endParaRPr lang="en-US" dirty="0"/>
           </a:p>
@@ -13955,7 +14041,7 @@
             <a:fld id="{2D72A43D-7419-4C41-A920-C6E38643746D}" type="datetime3">
               <a:rPr lang="es-ES_tradnl" smtClean="0"/>
               <a:pPr/>
-              <a:t>08.10.23</a:t>
+              <a:t>29.02.24</a:t>
             </a:fld>
             <a:endParaRPr lang="en-US" dirty="0"/>
           </a:p>
@@ -14084,7 +14170,7 @@
             <a:fld id="{2D72A43D-7419-4C41-A920-C6E38643746D}" type="datetime3">
               <a:rPr lang="es-ES_tradnl" smtClean="0"/>
               <a:pPr/>
-              <a:t>08.10.23</a:t>
+              <a:t>29.02.24</a:t>
             </a:fld>
             <a:endParaRPr lang="en-US" dirty="0"/>
           </a:p>
@@ -14408,7 +14494,7 @@
             <a:fld id="{2D72A43D-7419-4C41-A920-C6E38643746D}" type="datetime3">
               <a:rPr lang="es-ES_tradnl" smtClean="0"/>
               <a:pPr/>
-              <a:t>08.10.23</a:t>
+              <a:t>29.02.24</a:t>
             </a:fld>
             <a:endParaRPr lang="en-US" dirty="0"/>
           </a:p>
@@ -14687,7 +14773,7 @@
             <a:fld id="{2D72A43D-7419-4C41-A920-C6E38643746D}" type="datetime3">
               <a:rPr lang="es-ES_tradnl" smtClean="0"/>
               <a:pPr/>
-              <a:t>08.10.23</a:t>
+              <a:t>29.02.24</a:t>
             </a:fld>
             <a:endParaRPr lang="en-US" dirty="0"/>
           </a:p>
@@ -14994,7 +15080,7 @@
             <a:fld id="{2D72A43D-7419-4C41-A920-C6E38643746D}" type="datetime3">
               <a:rPr lang="es-ES_tradnl" smtClean="0"/>
               <a:pPr/>
-              <a:t>08.10.23</a:t>
+              <a:t>29.02.24</a:t>
             </a:fld>
             <a:endParaRPr lang="en-US" dirty="0"/>
           </a:p>
@@ -15394,7 +15480,7 @@
             <a:fld id="{2D72A43D-7419-4C41-A920-C6E38643746D}" type="datetime3">
               <a:rPr lang="es-ES_tradnl" smtClean="0"/>
               <a:pPr/>
-              <a:t>08.10.23</a:t>
+              <a:t>29.02.24</a:t>
             </a:fld>
             <a:endParaRPr lang="en-US" dirty="0"/>
           </a:p>
@@ -15523,7 +15609,7 @@
             <a:fld id="{2D72A43D-7419-4C41-A920-C6E38643746D}" type="datetime3">
               <a:rPr lang="es-ES_tradnl" smtClean="0"/>
               <a:pPr/>
-              <a:t>08.10.23</a:t>
+              <a:t>29.02.24</a:t>
             </a:fld>
             <a:endParaRPr lang="en-US" dirty="0"/>
           </a:p>
@@ -15962,7 +16048,7 @@
             <a:fld id="{2D72A43D-7419-4C41-A920-C6E38643746D}" type="datetime3">
               <a:rPr lang="es-ES_tradnl" smtClean="0"/>
               <a:pPr/>
-              <a:t>08.10.23</a:t>
+              <a:t>29.02.24</a:t>
             </a:fld>
             <a:endParaRPr lang="en-US" dirty="0"/>
           </a:p>
@@ -16348,7 +16434,7 @@
             <a:fld id="{2D72A43D-7419-4C41-A920-C6E38643746D}" type="datetime3">
               <a:rPr lang="es-ES_tradnl" smtClean="0"/>
               <a:pPr/>
-              <a:t>08.10.23</a:t>
+              <a:t>29.02.24</a:t>
             </a:fld>
             <a:endParaRPr lang="en-US" dirty="0"/>
           </a:p>
@@ -16628,7 +16714,7 @@
             <a:fld id="{2D72A43D-7419-4C41-A920-C6E38643746D}" type="datetime3">
               <a:rPr lang="es-ES_tradnl" smtClean="0"/>
               <a:pPr/>
-              <a:t>08.10.23</a:t>
+              <a:t>29.02.24</a:t>
             </a:fld>
             <a:endParaRPr lang="en-US" dirty="0"/>
           </a:p>
@@ -16930,7 +17016,7 @@
             <a:fld id="{2D72A43D-7419-4C41-A920-C6E38643746D}" type="datetime3">
               <a:rPr lang="es-ES_tradnl" smtClean="0"/>
               <a:pPr/>
-              <a:t>08.10.23</a:t>
+              <a:t>29.02.24</a:t>
             </a:fld>
             <a:endParaRPr lang="en-US" dirty="0"/>
           </a:p>
@@ -17226,7 +17312,7 @@
             <a:fld id="{2D72A43D-7419-4C41-A920-C6E38643746D}" type="datetime3">
               <a:rPr lang="es-ES_tradnl" smtClean="0"/>
               <a:pPr/>
-              <a:t>08.10.23</a:t>
+              <a:t>29.02.24</a:t>
             </a:fld>
             <a:endParaRPr lang="en-US" dirty="0"/>
           </a:p>
@@ -17657,7 +17743,7 @@
             <a:fld id="{2D72A43D-7419-4C41-A920-C6E38643746D}" type="datetime3">
               <a:rPr lang="es-ES_tradnl" smtClean="0"/>
               <a:pPr/>
-              <a:t>08.10.23</a:t>
+              <a:t>29.02.24</a:t>
             </a:fld>
             <a:endParaRPr lang="en-US" dirty="0"/>
           </a:p>
@@ -17935,7 +18021,7 @@
             <a:fld id="{2D72A43D-7419-4C41-A920-C6E38643746D}" type="datetime3">
               <a:rPr lang="es-ES_tradnl" smtClean="0"/>
               <a:pPr/>
-              <a:t>08.10.23</a:t>
+              <a:t>29.02.24</a:t>
             </a:fld>
             <a:endParaRPr lang="en-US" dirty="0"/>
           </a:p>
@@ -18461,7 +18547,7 @@
             <a:fld id="{2D72A43D-7419-4C41-A920-C6E38643746D}" type="datetime3">
               <a:rPr lang="es-ES_tradnl" smtClean="0"/>
               <a:pPr/>
-              <a:t>08.10.23</a:t>
+              <a:t>29.02.24</a:t>
             </a:fld>
             <a:endParaRPr lang="en-US" dirty="0"/>
           </a:p>
@@ -19576,7 +19662,7 @@
             <a:fld id="{2D72A43D-7419-4C41-A920-C6E38643746D}" type="datetime3">
               <a:rPr lang="es-ES_tradnl" smtClean="0"/>
               <a:pPr/>
-              <a:t>08.10.23</a:t>
+              <a:t>29.02.24</a:t>
             </a:fld>
             <a:endParaRPr lang="en-US" dirty="0"/>
           </a:p>
@@ -19711,8 +19797,91 @@
             <a:r>
               <a:rPr lang="es-ES" dirty="0">
                 <a:latin typeface="Arial Nova Light" panose="020B0304020202020204" pitchFamily="34" charset="0"/>
+                <a:hlinkClick r:id="rId2"/>
               </a:rPr>
               <a:t>https://www.mathworks.com/help/systemcomposer/ug/mobile-robot-workflow.html</a:t>
+            </a:r>
+            <a:endParaRPr lang="es-ES" dirty="0">
+              <a:latin typeface="Arial Nova Light" panose="020B0304020202020204" pitchFamily="34" charset="0"/>
+            </a:endParaRPr>
+          </a:p>
+          <a:p>
+            <a:pPr marL="0" indent="0" algn="ctr">
+              <a:buNone/>
+            </a:pPr>
+            <a:endParaRPr lang="es-ES" dirty="0">
+              <a:latin typeface="Arial Nova Light" panose="020B0304020202020204" pitchFamily="34" charset="0"/>
+            </a:endParaRPr>
+          </a:p>
+          <a:p>
+            <a:pPr marL="0" indent="0" algn="ctr">
+              <a:buNone/>
+            </a:pPr>
+            <a:r>
+              <a:rPr lang="es-ES" dirty="0">
+                <a:latin typeface="Arial Nova Light" panose="020B0304020202020204" pitchFamily="34" charset="0"/>
+              </a:rPr>
+              <a:t>(abre el ejemplo ejecutando </a:t>
+            </a:r>
+            <a:r>
+              <a:rPr lang="es-ES" dirty="0" err="1">
+                <a:latin typeface="Arial Nova Light" panose="020B0304020202020204" pitchFamily="34" charset="0"/>
+              </a:rPr>
+              <a:t>openExample</a:t>
+            </a:r>
+            <a:r>
+              <a:rPr lang="es-ES" dirty="0">
+                <a:latin typeface="Arial Nova Light" panose="020B0304020202020204" pitchFamily="34" charset="0"/>
+              </a:rPr>
+              <a:t>('</a:t>
+            </a:r>
+            <a:r>
+              <a:rPr lang="es-ES" dirty="0" err="1">
+                <a:latin typeface="Arial Nova Light" panose="020B0304020202020204" pitchFamily="34" charset="0"/>
+              </a:rPr>
+              <a:t>systemcomposer</a:t>
+            </a:r>
+            <a:r>
+              <a:rPr lang="es-ES" dirty="0">
+                <a:latin typeface="Arial Nova Light" panose="020B0304020202020204" pitchFamily="34" charset="0"/>
+              </a:rPr>
+              <a:t>/</a:t>
+            </a:r>
+            <a:r>
+              <a:rPr lang="es-ES" dirty="0" err="1">
+                <a:latin typeface="Arial Nova Light" panose="020B0304020202020204" pitchFamily="34" charset="0"/>
+              </a:rPr>
+              <a:t>SimulatingMobileRobotWithSystemComposerWorkflowExample</a:t>
+            </a:r>
+            <a:r>
+              <a:rPr lang="es-ES" dirty="0">
+                <a:latin typeface="Arial Nova Light" panose="020B0304020202020204" pitchFamily="34" charset="0"/>
+              </a:rPr>
+              <a:t>’) en </a:t>
+            </a:r>
+            <a:r>
+              <a:rPr lang="es-ES" dirty="0" err="1">
+                <a:latin typeface="Arial Nova Light" panose="020B0304020202020204" pitchFamily="34" charset="0"/>
+              </a:rPr>
+              <a:t>command</a:t>
+            </a:r>
+            <a:r>
+              <a:rPr lang="es-ES" dirty="0">
+                <a:latin typeface="Arial Nova Light" panose="020B0304020202020204" pitchFamily="34" charset="0"/>
+              </a:rPr>
+              <a:t> </a:t>
+            </a:r>
+            <a:r>
+              <a:rPr lang="es-ES" dirty="0" err="1">
+                <a:latin typeface="Arial Nova Light" panose="020B0304020202020204" pitchFamily="34" charset="0"/>
+              </a:rPr>
+              <a:t>window</a:t>
+            </a:r>
+            <a:r>
+              <a:rPr lang="es-ES" dirty="0">
+                <a:latin typeface="Arial Nova Light" panose="020B0304020202020204" pitchFamily="34" charset="0"/>
+              </a:rPr>
+              <a:t>)</a:t>
             </a:r>
           </a:p>
           <a:p>
@@ -19860,7 +20029,7 @@
             <a:fld id="{2D72A43D-7419-4C41-A920-C6E38643746D}" type="datetime3">
               <a:rPr lang="es-ES_tradnl" smtClean="0"/>
               <a:pPr/>
-              <a:t>08.10.23</a:t>
+              <a:t>29.02.24</a:t>
             </a:fld>
             <a:endParaRPr lang="en-US" dirty="0"/>
           </a:p>
@@ -20019,7 +20188,7 @@
             <a:fld id="{2D72A43D-7419-4C41-A920-C6E38643746D}" type="datetime3">
               <a:rPr lang="es-ES_tradnl" smtClean="0"/>
               <a:pPr/>
-              <a:t>08.10.23</a:t>
+              <a:t>29.02.24</a:t>
             </a:fld>
             <a:endParaRPr lang="en-US" dirty="0"/>
           </a:p>
@@ -20565,7 +20734,7 @@
             <a:fld id="{2D72A43D-7419-4C41-A920-C6E38643746D}" type="datetime3">
               <a:rPr lang="es-ES_tradnl" smtClean="0"/>
               <a:pPr/>
-              <a:t>08.10.23</a:t>
+              <a:t>29.02.24</a:t>
             </a:fld>
             <a:endParaRPr lang="en-US" dirty="0"/>
           </a:p>
@@ -20887,7 +21056,7 @@
             <a:fld id="{2D72A43D-7419-4C41-A920-C6E38643746D}" type="datetime3">
               <a:rPr lang="es-ES_tradnl" smtClean="0"/>
               <a:pPr/>
-              <a:t>08.10.23</a:t>
+              <a:t>29.02.24</a:t>
             </a:fld>
             <a:endParaRPr lang="en-US" dirty="0"/>
           </a:p>
@@ -21702,7 +21871,7 @@
             <a:fld id="{2D72A43D-7419-4C41-A920-C6E38643746D}" type="datetime3">
               <a:rPr lang="es-ES_tradnl" smtClean="0"/>
               <a:pPr/>
-              <a:t>08.10.23</a:t>
+              <a:t>29.02.24</a:t>
             </a:fld>
             <a:endParaRPr lang="en-US" dirty="0"/>
           </a:p>
